--- a/Module_3_ Tram Nguyen _ KPMG virtual internship program.pptx
+++ b/Module_3_ Tram Nguyen _ KPMG virtual internship program.pptx
@@ -338,7 +338,7 @@
 <file path=ppt/revisionInfo.xml><?xml version="1.0" encoding="utf-8"?>
 <p1510:revInfo xmlns:a="http://schemas.openxmlformats.org/drawingml/2006/main" xmlns:r="http://schemas.openxmlformats.org/officeDocument/2006/relationships" xmlns:p1510="http://schemas.microsoft.com/office/powerpoint/2015/10/main">
   <p1510:revLst>
-    <p1510:client id="{D4FBFE9B-6850-415E-A7C1-9F87F8C915C0}" v="104" dt="2025-05-04T13:51:58.535"/>
+    <p1510:client id="{8C97A672-958F-48F3-93AC-7850E738F628}" v="2" dt="2025-05-19T17:17:35.716"/>
   </p1510:revLst>
 </p1510:revInfo>
 </file>
@@ -404,14 +404,6 @@
             <ac:spMk id="3" creationId="{3A517529-284E-DA8C-1C8C-795C5CADC991}"/>
           </ac:spMkLst>
         </pc:spChg>
-        <pc:spChg chg="del">
-          <ac:chgData name="Tram Nguyen" userId="51ee2127b6ac45fe" providerId="LiveId" clId="{D4FBFE9B-6850-415E-A7C1-9F87F8C915C0}" dt="2025-05-04T11:21:04.566" v="154" actId="478"/>
-          <ac:spMkLst>
-            <pc:docMk/>
-            <pc:sldMk cId="0" sldId="258"/>
-            <ac:spMk id="25" creationId="{4DE8A5C0-0364-440F-B8FF-5C4A5AE9B26A}"/>
-          </ac:spMkLst>
-        </pc:spChg>
         <pc:spChg chg="mod">
           <ac:chgData name="Tram Nguyen" userId="51ee2127b6ac45fe" providerId="LiveId" clId="{D4FBFE9B-6850-415E-A7C1-9F87F8C915C0}" dt="2025-05-04T11:21:26.217" v="203" actId="20577"/>
           <ac:spMkLst>
@@ -420,38 +412,6 @@
             <ac:spMk id="122" creationId="{00000000-0000-0000-0000-000000000000}"/>
           </ac:spMkLst>
         </pc:spChg>
-        <pc:spChg chg="del">
-          <ac:chgData name="Tram Nguyen" userId="51ee2127b6ac45fe" providerId="LiveId" clId="{D4FBFE9B-6850-415E-A7C1-9F87F8C915C0}" dt="2025-05-04T11:20:58.025" v="151" actId="478"/>
-          <ac:spMkLst>
-            <pc:docMk/>
-            <pc:sldMk cId="0" sldId="258"/>
-            <ac:spMk id="123" creationId="{00000000-0000-0000-0000-000000000000}"/>
-          </ac:spMkLst>
-        </pc:spChg>
-        <pc:spChg chg="del">
-          <ac:chgData name="Tram Nguyen" userId="51ee2127b6ac45fe" providerId="LiveId" clId="{D4FBFE9B-6850-415E-A7C1-9F87F8C915C0}" dt="2025-05-04T11:20:53.479" v="150" actId="478"/>
-          <ac:spMkLst>
-            <pc:docMk/>
-            <pc:sldMk cId="0" sldId="258"/>
-            <ac:spMk id="124" creationId="{00000000-0000-0000-0000-000000000000}"/>
-          </ac:spMkLst>
-        </pc:spChg>
-        <pc:picChg chg="del">
-          <ac:chgData name="Tram Nguyen" userId="51ee2127b6ac45fe" providerId="LiveId" clId="{D4FBFE9B-6850-415E-A7C1-9F87F8C915C0}" dt="2025-05-04T11:21:00.209" v="152" actId="478"/>
-          <ac:picMkLst>
-            <pc:docMk/>
-            <pc:sldMk cId="0" sldId="258"/>
-            <ac:picMk id="14" creationId="{7CF902D8-0CA7-4983-9152-0AE0ECF094F5}"/>
-          </ac:picMkLst>
-        </pc:picChg>
-        <pc:picChg chg="del">
-          <ac:chgData name="Tram Nguyen" userId="51ee2127b6ac45fe" providerId="LiveId" clId="{D4FBFE9B-6850-415E-A7C1-9F87F8C915C0}" dt="2025-05-04T11:21:02.077" v="153" actId="478"/>
-          <ac:picMkLst>
-            <pc:docMk/>
-            <pc:sldMk cId="0" sldId="258"/>
-            <ac:picMk id="16" creationId="{980693DB-F0BD-4C44-B571-EEF7EBAFDA3A}"/>
-          </ac:picMkLst>
-        </pc:picChg>
       </pc:sldChg>
       <pc:sldChg chg="addSp delSp modSp mod">
         <pc:chgData name="Tram Nguyen" userId="51ee2127b6ac45fe" providerId="LiveId" clId="{D4FBFE9B-6850-415E-A7C1-9F87F8C915C0}" dt="2025-05-04T11:13:14.382" v="149" actId="14100"/>
@@ -475,14 +435,6 @@
             <ac:spMk id="132" creationId="{00000000-0000-0000-0000-000000000000}"/>
           </ac:spMkLst>
         </pc:spChg>
-        <pc:spChg chg="del mod">
-          <ac:chgData name="Tram Nguyen" userId="51ee2127b6ac45fe" providerId="LiveId" clId="{D4FBFE9B-6850-415E-A7C1-9F87F8C915C0}" dt="2025-05-04T11:05:05.184" v="34" actId="478"/>
-          <ac:spMkLst>
-            <pc:docMk/>
-            <pc:sldMk cId="0" sldId="259"/>
-            <ac:spMk id="133" creationId="{00000000-0000-0000-0000-000000000000}"/>
-          </ac:spMkLst>
-        </pc:spChg>
         <pc:graphicFrameChg chg="add mod modGraphic">
           <ac:chgData name="Tram Nguyen" userId="51ee2127b6ac45fe" providerId="LiveId" clId="{D4FBFE9B-6850-415E-A7C1-9F87F8C915C0}" dt="2025-05-04T11:13:14.382" v="149" actId="14100"/>
           <ac:graphicFrameMkLst>
@@ -491,14 +443,6 @@
             <ac:graphicFrameMk id="2" creationId="{EF71EBE7-C213-420B-6BE6-7BB69B6B5BBD}"/>
           </ac:graphicFrameMkLst>
         </pc:graphicFrameChg>
-        <pc:picChg chg="del">
-          <ac:chgData name="Tram Nguyen" userId="51ee2127b6ac45fe" providerId="LiveId" clId="{D4FBFE9B-6850-415E-A7C1-9F87F8C915C0}" dt="2025-05-04T11:03:34.265" v="30" actId="478"/>
-          <ac:picMkLst>
-            <pc:docMk/>
-            <pc:sldMk cId="0" sldId="259"/>
-            <ac:picMk id="6" creationId="{DC6127DA-0DEA-42FE-809F-4290FB4593DC}"/>
-          </ac:picMkLst>
-        </pc:picChg>
       </pc:sldChg>
       <pc:sldChg chg="del">
         <pc:chgData name="Tram Nguyen" userId="51ee2127b6ac45fe" providerId="LiveId" clId="{D4FBFE9B-6850-415E-A7C1-9F87F8C915C0}" dt="2025-05-04T11:56:49.308" v="347" actId="47"/>
@@ -536,14 +480,6 @@
             <ac:spMk id="133" creationId="{00000000-0000-0000-0000-000000000000}"/>
           </ac:spMkLst>
         </pc:spChg>
-        <pc:picChg chg="add del mod">
-          <ac:chgData name="Tram Nguyen" userId="51ee2127b6ac45fe" providerId="LiveId" clId="{D4FBFE9B-6850-415E-A7C1-9F87F8C915C0}" dt="2025-05-04T11:44:32.238" v="339" actId="478"/>
-          <ac:picMkLst>
-            <pc:docMk/>
-            <pc:sldMk cId="2538472763" sldId="264"/>
-            <ac:picMk id="3" creationId="{D5B31BDF-AD60-017E-E114-81B1E35352C6}"/>
-          </ac:picMkLst>
-        </pc:picChg>
         <pc:picChg chg="mod">
           <ac:chgData name="Tram Nguyen" userId="51ee2127b6ac45fe" providerId="LiveId" clId="{D4FBFE9B-6850-415E-A7C1-9F87F8C915C0}" dt="2025-05-04T11:57:56.636" v="353" actId="1076"/>
           <ac:picMkLst>
@@ -589,86 +525,6 @@
           <pc:docMk/>
           <pc:sldMk cId="752286902" sldId="267"/>
         </pc:sldMkLst>
-        <pc:spChg chg="add">
-          <ac:chgData name="Tram Nguyen" userId="51ee2127b6ac45fe" providerId="LiveId" clId="{D4FBFE9B-6850-415E-A7C1-9F87F8C915C0}" dt="2025-05-04T11:26:39.933" v="214"/>
-          <ac:spMkLst>
-            <pc:docMk/>
-            <pc:sldMk cId="752286902" sldId="267"/>
-            <ac:spMk id="2" creationId="{C9651B6C-0E75-756F-8B4A-3F82D51E2504}"/>
-          </ac:spMkLst>
-        </pc:spChg>
-        <pc:spChg chg="del">
-          <ac:chgData name="Tram Nguyen" userId="51ee2127b6ac45fe" providerId="LiveId" clId="{D4FBFE9B-6850-415E-A7C1-9F87F8C915C0}" dt="2025-05-04T11:26:23.948" v="213" actId="478"/>
-          <ac:spMkLst>
-            <pc:docMk/>
-            <pc:sldMk cId="752286902" sldId="267"/>
-            <ac:spMk id="3" creationId="{62CAC235-00C4-36A1-D9E1-54742C5E7ACB}"/>
-          </ac:spMkLst>
-        </pc:spChg>
-        <pc:spChg chg="add">
-          <ac:chgData name="Tram Nguyen" userId="51ee2127b6ac45fe" providerId="LiveId" clId="{D4FBFE9B-6850-415E-A7C1-9F87F8C915C0}" dt="2025-05-04T11:26:39.933" v="214"/>
-          <ac:spMkLst>
-            <pc:docMk/>
-            <pc:sldMk cId="752286902" sldId="267"/>
-            <ac:spMk id="4" creationId="{1F54B2BB-B44A-BD71-41E6-81F78A3589F8}"/>
-          </ac:spMkLst>
-        </pc:spChg>
-        <pc:spChg chg="add">
-          <ac:chgData name="Tram Nguyen" userId="51ee2127b6ac45fe" providerId="LiveId" clId="{D4FBFE9B-6850-415E-A7C1-9F87F8C915C0}" dt="2025-05-04T11:26:39.933" v="214"/>
-          <ac:spMkLst>
-            <pc:docMk/>
-            <pc:sldMk cId="752286902" sldId="267"/>
-            <ac:spMk id="5" creationId="{3AFB5B4A-7807-7C2E-CD77-B1301579C06F}"/>
-          </ac:spMkLst>
-        </pc:spChg>
-        <pc:spChg chg="add mod">
-          <ac:chgData name="Tram Nguyen" userId="51ee2127b6ac45fe" providerId="LiveId" clId="{D4FBFE9B-6850-415E-A7C1-9F87F8C915C0}" dt="2025-05-04T11:26:51.431" v="218"/>
-          <ac:spMkLst>
-            <pc:docMk/>
-            <pc:sldMk cId="752286902" sldId="267"/>
-            <ac:spMk id="6" creationId="{98815BDA-F5C0-02B8-5A57-BBE68E2B077C}"/>
-          </ac:spMkLst>
-        </pc:spChg>
-        <pc:spChg chg="add mod">
-          <ac:chgData name="Tram Nguyen" userId="51ee2127b6ac45fe" providerId="LiveId" clId="{D4FBFE9B-6850-415E-A7C1-9F87F8C915C0}" dt="2025-05-04T11:26:51.431" v="218"/>
-          <ac:spMkLst>
-            <pc:docMk/>
-            <pc:sldMk cId="752286902" sldId="267"/>
-            <ac:spMk id="7" creationId="{8BC51FBF-55D1-4BCB-0AAE-8B642D6FC7AC}"/>
-          </ac:spMkLst>
-        </pc:spChg>
-        <pc:spChg chg="add mod">
-          <ac:chgData name="Tram Nguyen" userId="51ee2127b6ac45fe" providerId="LiveId" clId="{D4FBFE9B-6850-415E-A7C1-9F87F8C915C0}" dt="2025-05-04T11:26:51.431" v="218"/>
-          <ac:spMkLst>
-            <pc:docMk/>
-            <pc:sldMk cId="752286902" sldId="267"/>
-            <ac:spMk id="8" creationId="{AE0AF49D-F861-64D7-411C-FD9EE3393B26}"/>
-          </ac:spMkLst>
-        </pc:spChg>
-        <pc:spChg chg="add mod">
-          <ac:chgData name="Tram Nguyen" userId="51ee2127b6ac45fe" providerId="LiveId" clId="{D4FBFE9B-6850-415E-A7C1-9F87F8C915C0}" dt="2025-05-04T11:26:51.135" v="217"/>
-          <ac:spMkLst>
-            <pc:docMk/>
-            <pc:sldMk cId="752286902" sldId="267"/>
-            <ac:spMk id="9" creationId="{57656827-6348-37E4-E39E-C0D2789E8F02}"/>
-          </ac:spMkLst>
-        </pc:spChg>
-        <pc:spChg chg="add mod">
-          <ac:chgData name="Tram Nguyen" userId="51ee2127b6ac45fe" providerId="LiveId" clId="{D4FBFE9B-6850-415E-A7C1-9F87F8C915C0}" dt="2025-05-04T11:26:51.135" v="217"/>
-          <ac:spMkLst>
-            <pc:docMk/>
-            <pc:sldMk cId="752286902" sldId="267"/>
-            <ac:spMk id="10" creationId="{D714843D-4994-D253-4BCF-3460277B5AF9}"/>
-          </ac:spMkLst>
-        </pc:spChg>
-        <pc:spChg chg="add mod">
-          <ac:chgData name="Tram Nguyen" userId="51ee2127b6ac45fe" providerId="LiveId" clId="{D4FBFE9B-6850-415E-A7C1-9F87F8C915C0}" dt="2025-05-04T11:26:51.135" v="217"/>
-          <ac:spMkLst>
-            <pc:docMk/>
-            <pc:sldMk cId="752286902" sldId="267"/>
-            <ac:spMk id="11" creationId="{92FB1A7E-6319-8504-E446-0FB5BEB5E4AF}"/>
-          </ac:spMkLst>
-        </pc:spChg>
         <pc:spChg chg="add mod">
           <ac:chgData name="Tram Nguyen" userId="51ee2127b6ac45fe" providerId="LiveId" clId="{D4FBFE9B-6850-415E-A7C1-9F87F8C915C0}" dt="2025-05-04T11:27:14.832" v="222" actId="255"/>
           <ac:spMkLst>
@@ -762,54 +618,6 @@
           <pc:docMk/>
           <pc:sldMk cId="4060147386" sldId="268"/>
         </pc:sldMkLst>
-        <pc:spChg chg="add del mod ord">
-          <ac:chgData name="Tram Nguyen" userId="51ee2127b6ac45fe" providerId="LiveId" clId="{D4FBFE9B-6850-415E-A7C1-9F87F8C915C0}" dt="2025-05-04T13:45:54.021" v="1080" actId="478"/>
-          <ac:spMkLst>
-            <pc:docMk/>
-            <pc:sldMk cId="4060147386" sldId="268"/>
-            <ac:spMk id="3" creationId="{A473D57C-8030-4584-7E65-BEE421D15430}"/>
-          </ac:spMkLst>
-        </pc:spChg>
-        <pc:spChg chg="add del mod">
-          <ac:chgData name="Tram Nguyen" userId="51ee2127b6ac45fe" providerId="LiveId" clId="{D4FBFE9B-6850-415E-A7C1-9F87F8C915C0}" dt="2025-05-04T13:45:55.473" v="1081" actId="478"/>
-          <ac:spMkLst>
-            <pc:docMk/>
-            <pc:sldMk cId="4060147386" sldId="268"/>
-            <ac:spMk id="5" creationId="{73E32FC2-5E95-697A-04CF-CC9BFCB5846E}"/>
-          </ac:spMkLst>
-        </pc:spChg>
-        <pc:spChg chg="mod">
-          <ac:chgData name="Tram Nguyen" userId="51ee2127b6ac45fe" providerId="LiveId" clId="{D4FBFE9B-6850-415E-A7C1-9F87F8C915C0}" dt="2025-05-04T13:45:42.016" v="1046" actId="1076"/>
-          <ac:spMkLst>
-            <pc:docMk/>
-            <pc:sldMk cId="4060147386" sldId="268"/>
-            <ac:spMk id="130" creationId="{6F21239F-28F6-82E0-D343-41B9BCA6EA8F}"/>
-          </ac:spMkLst>
-        </pc:spChg>
-        <pc:spChg chg="mod">
-          <ac:chgData name="Tram Nguyen" userId="51ee2127b6ac45fe" providerId="LiveId" clId="{D4FBFE9B-6850-415E-A7C1-9F87F8C915C0}" dt="2025-05-04T13:50:41.374" v="1110" actId="20577"/>
-          <ac:spMkLst>
-            <pc:docMk/>
-            <pc:sldMk cId="4060147386" sldId="268"/>
-            <ac:spMk id="131" creationId="{BAAD48E6-3521-A19F-F326-F3A0E9EA2993}"/>
-          </ac:spMkLst>
-        </pc:spChg>
-        <pc:graphicFrameChg chg="del">
-          <ac:chgData name="Tram Nguyen" userId="51ee2127b6ac45fe" providerId="LiveId" clId="{D4FBFE9B-6850-415E-A7C1-9F87F8C915C0}" dt="2025-05-04T11:40:51.926" v="302" actId="478"/>
-          <ac:graphicFrameMkLst>
-            <pc:docMk/>
-            <pc:sldMk cId="4060147386" sldId="268"/>
-            <ac:graphicFrameMk id="2" creationId="{1ACB4080-A907-2ED1-9CC1-3BD12D89A9EE}"/>
-          </ac:graphicFrameMkLst>
-        </pc:graphicFrameChg>
-        <pc:graphicFrameChg chg="add mod modGraphic">
-          <ac:chgData name="Tram Nguyen" userId="51ee2127b6ac45fe" providerId="LiveId" clId="{D4FBFE9B-6850-415E-A7C1-9F87F8C915C0}" dt="2025-05-04T13:50:05.798" v="1083" actId="122"/>
-          <ac:graphicFrameMkLst>
-            <pc:docMk/>
-            <pc:sldMk cId="4060147386" sldId="268"/>
-            <ac:graphicFrameMk id="6" creationId="{F4AF6BBF-5D6C-6893-818E-F290A1E3C1A8}"/>
-          </ac:graphicFrameMkLst>
-        </pc:graphicFrameChg>
       </pc:sldChg>
       <pc:sldChg chg="addSp delSp modSp add mod">
         <pc:chgData name="Tram Nguyen" userId="51ee2127b6ac45fe" providerId="LiveId" clId="{D4FBFE9B-6850-415E-A7C1-9F87F8C915C0}" dt="2025-05-04T13:17:20.996" v="921" actId="20577"/>
@@ -849,14 +657,6 @@
             <ac:picMk id="3" creationId="{BA6863F9-E687-CBAC-322A-AB5F53B3D68A}"/>
           </ac:picMkLst>
         </pc:picChg>
-        <pc:picChg chg="del mod">
-          <ac:chgData name="Tram Nguyen" userId="51ee2127b6ac45fe" providerId="LiveId" clId="{D4FBFE9B-6850-415E-A7C1-9F87F8C915C0}" dt="2025-05-04T12:07:03.982" v="408" actId="478"/>
-          <ac:picMkLst>
-            <pc:docMk/>
-            <pc:sldMk cId="4230813169" sldId="269"/>
-            <ac:picMk id="12" creationId="{8188EB94-78C9-151B-331B-68B272373AFB}"/>
-          </ac:picMkLst>
-        </pc:picChg>
       </pc:sldChg>
       <pc:sldChg chg="addSp delSp modSp add mod ord chgLayout">
         <pc:chgData name="Tram Nguyen" userId="51ee2127b6ac45fe" providerId="LiveId" clId="{D4FBFE9B-6850-415E-A7C1-9F87F8C915C0}" dt="2025-05-04T13:16:47.253" v="897"/>
@@ -864,76 +664,12 @@
           <pc:docMk/>
           <pc:sldMk cId="1465580460" sldId="270"/>
         </pc:sldMkLst>
-        <pc:spChg chg="del mod">
-          <ac:chgData name="Tram Nguyen" userId="51ee2127b6ac45fe" providerId="LiveId" clId="{D4FBFE9B-6850-415E-A7C1-9F87F8C915C0}" dt="2025-05-04T12:31:10.922" v="463" actId="478"/>
-          <ac:spMkLst>
-            <pc:docMk/>
-            <pc:sldMk cId="1465580460" sldId="270"/>
-            <ac:spMk id="3" creationId="{4DFC486D-8EAE-283F-5EAB-0438AB96C9FD}"/>
-          </ac:spMkLst>
-        </pc:spChg>
-        <pc:spChg chg="add del mod">
-          <ac:chgData name="Tram Nguyen" userId="51ee2127b6ac45fe" providerId="LiveId" clId="{D4FBFE9B-6850-415E-A7C1-9F87F8C915C0}" dt="2025-05-04T12:31:13.455" v="464" actId="478"/>
-          <ac:spMkLst>
-            <pc:docMk/>
-            <pc:sldMk cId="1465580460" sldId="270"/>
-            <ac:spMk id="9" creationId="{39A2C432-2A80-C680-38D4-3A58659FFCE4}"/>
-          </ac:spMkLst>
-        </pc:spChg>
-        <pc:spChg chg="add">
-          <ac:chgData name="Tram Nguyen" userId="51ee2127b6ac45fe" providerId="LiveId" clId="{D4FBFE9B-6850-415E-A7C1-9F87F8C915C0}" dt="2025-05-04T12:39:06.223" v="514"/>
-          <ac:spMkLst>
-            <pc:docMk/>
-            <pc:sldMk cId="1465580460" sldId="270"/>
-            <ac:spMk id="10" creationId="{989141A0-12F8-3124-F4CA-C05042F5A670}"/>
-          </ac:spMkLst>
-        </pc:spChg>
-        <pc:spChg chg="add">
-          <ac:chgData name="Tram Nguyen" userId="51ee2127b6ac45fe" providerId="LiveId" clId="{D4FBFE9B-6850-415E-A7C1-9F87F8C915C0}" dt="2025-05-04T12:39:06.223" v="514"/>
-          <ac:spMkLst>
-            <pc:docMk/>
-            <pc:sldMk cId="1465580460" sldId="270"/>
-            <ac:spMk id="11" creationId="{7A3E872A-ED72-01EE-4925-E5F765D8BA10}"/>
-          </ac:spMkLst>
-        </pc:spChg>
         <pc:spChg chg="add mod ord">
           <ac:chgData name="Tram Nguyen" userId="51ee2127b6ac45fe" providerId="LiveId" clId="{D4FBFE9B-6850-415E-A7C1-9F87F8C915C0}" dt="2025-05-04T12:40:33.202" v="542" actId="14100"/>
           <ac:spMkLst>
             <pc:docMk/>
             <pc:sldMk cId="1465580460" sldId="270"/>
             <ac:spMk id="12" creationId="{2387B9C1-1F8B-2EBB-6083-B393E0FD744D}"/>
-          </ac:spMkLst>
-        </pc:spChg>
-        <pc:spChg chg="add">
-          <ac:chgData name="Tram Nguyen" userId="51ee2127b6ac45fe" providerId="LiveId" clId="{D4FBFE9B-6850-415E-A7C1-9F87F8C915C0}" dt="2025-05-04T12:39:25.177" v="517"/>
-          <ac:spMkLst>
-            <pc:docMk/>
-            <pc:sldMk cId="1465580460" sldId="270"/>
-            <ac:spMk id="13" creationId="{F3532FE9-B41B-36F0-E02A-950641BEC629}"/>
-          </ac:spMkLst>
-        </pc:spChg>
-        <pc:spChg chg="add">
-          <ac:chgData name="Tram Nguyen" userId="51ee2127b6ac45fe" providerId="LiveId" clId="{D4FBFE9B-6850-415E-A7C1-9F87F8C915C0}" dt="2025-05-04T12:39:25.177" v="517"/>
-          <ac:spMkLst>
-            <pc:docMk/>
-            <pc:sldMk cId="1465580460" sldId="270"/>
-            <ac:spMk id="14" creationId="{A60C5F27-3456-1B3E-13B3-5854295B7CDD}"/>
-          </ac:spMkLst>
-        </pc:spChg>
-        <pc:spChg chg="add">
-          <ac:chgData name="Tram Nguyen" userId="51ee2127b6ac45fe" providerId="LiveId" clId="{D4FBFE9B-6850-415E-A7C1-9F87F8C915C0}" dt="2025-05-04T12:39:36.998" v="523"/>
-          <ac:spMkLst>
-            <pc:docMk/>
-            <pc:sldMk cId="1465580460" sldId="270"/>
-            <ac:spMk id="15" creationId="{891C01C1-5BFE-9A9C-9C05-B7A69CFE9B0C}"/>
-          </ac:spMkLst>
-        </pc:spChg>
-        <pc:spChg chg="add">
-          <ac:chgData name="Tram Nguyen" userId="51ee2127b6ac45fe" providerId="LiveId" clId="{D4FBFE9B-6850-415E-A7C1-9F87F8C915C0}" dt="2025-05-04T12:39:36.998" v="523"/>
-          <ac:spMkLst>
-            <pc:docMk/>
-            <pc:sldMk cId="1465580460" sldId="270"/>
-            <ac:spMk id="16" creationId="{46FF79E1-5782-6C6E-9FA0-8DBC91FC32F3}"/>
           </ac:spMkLst>
         </pc:spChg>
         <pc:spChg chg="mod">
@@ -952,14 +688,6 @@
             <ac:graphicFrameMk id="7" creationId="{F084C3CD-A5B2-034B-0964-7FA7D2095625}"/>
           </ac:graphicFrameMkLst>
         </pc:graphicFrameChg>
-        <pc:picChg chg="add del mod">
-          <ac:chgData name="Tram Nguyen" userId="51ee2127b6ac45fe" providerId="LiveId" clId="{D4FBFE9B-6850-415E-A7C1-9F87F8C915C0}" dt="2025-05-04T12:22:18.276" v="436" actId="478"/>
-          <ac:picMkLst>
-            <pc:docMk/>
-            <pc:sldMk cId="1465580460" sldId="270"/>
-            <ac:picMk id="4" creationId="{03131E3E-50C7-E912-A3DC-FB2E1AEE1AD6}"/>
-          </ac:picMkLst>
-        </pc:picChg>
         <pc:picChg chg="add mod">
           <ac:chgData name="Tram Nguyen" userId="51ee2127b6ac45fe" providerId="LiveId" clId="{D4FBFE9B-6850-415E-A7C1-9F87F8C915C0}" dt="2025-05-04T13:14:29.438" v="890" actId="1076"/>
           <ac:picMkLst>
@@ -975,28 +703,12 @@
           <pc:docMk/>
           <pc:sldMk cId="2544208214" sldId="271"/>
         </pc:sldMkLst>
-        <pc:spChg chg="del mod">
-          <ac:chgData name="Tram Nguyen" userId="51ee2127b6ac45fe" providerId="LiveId" clId="{D4FBFE9B-6850-415E-A7C1-9F87F8C915C0}" dt="2025-05-04T13:04:47.514" v="785" actId="478"/>
-          <ac:spMkLst>
-            <pc:docMk/>
-            <pc:sldMk cId="2544208214" sldId="271"/>
-            <ac:spMk id="3" creationId="{49CC9632-2143-263D-CC83-B6063BED6972}"/>
-          </ac:spMkLst>
-        </pc:spChg>
         <pc:spChg chg="add mod">
           <ac:chgData name="Tram Nguyen" userId="51ee2127b6ac45fe" providerId="LiveId" clId="{D4FBFE9B-6850-415E-A7C1-9F87F8C915C0}" dt="2025-05-04T13:04:21.180" v="779" actId="14100"/>
           <ac:spMkLst>
             <pc:docMk/>
             <pc:sldMk cId="2544208214" sldId="271"/>
             <ac:spMk id="7" creationId="{CC010C42-7EDF-A563-F9E8-4624673BFFD1}"/>
-          </ac:spMkLst>
-        </pc:spChg>
-        <pc:spChg chg="add del mod">
-          <ac:chgData name="Tram Nguyen" userId="51ee2127b6ac45fe" providerId="LiveId" clId="{D4FBFE9B-6850-415E-A7C1-9F87F8C915C0}" dt="2025-05-04T13:04:51.387" v="786" actId="478"/>
-          <ac:spMkLst>
-            <pc:docMk/>
-            <pc:sldMk cId="2544208214" sldId="271"/>
-            <ac:spMk id="9" creationId="{CD49D04D-08E8-E62C-A0E7-8AD1C822F19B}"/>
           </ac:spMkLst>
         </pc:spChg>
         <pc:spChg chg="add mod">
@@ -1023,14 +735,6 @@
             <ac:picMk id="4" creationId="{602F7D9F-D8DB-7835-BCA7-BD197450784C}"/>
           </ac:picMkLst>
         </pc:picChg>
-        <pc:picChg chg="del mod">
-          <ac:chgData name="Tram Nguyen" userId="51ee2127b6ac45fe" providerId="LiveId" clId="{D4FBFE9B-6850-415E-A7C1-9F87F8C915C0}" dt="2025-05-04T12:55:09.047" v="749" actId="478"/>
-          <ac:picMkLst>
-            <pc:docMk/>
-            <pc:sldMk cId="2544208214" sldId="271"/>
-            <ac:picMk id="6" creationId="{B2D48AA0-FBA0-9562-6D41-FF88DEE44636}"/>
-          </ac:picMkLst>
-        </pc:picChg>
       </pc:sldChg>
       <pc:sldChg chg="delSp modSp add mod ord">
         <pc:chgData name="Tram Nguyen" userId="51ee2127b6ac45fe" providerId="LiveId" clId="{D4FBFE9B-6850-415E-A7C1-9F87F8C915C0}" dt="2025-05-04T13:16:53.260" v="899"/>
@@ -1054,14 +758,6 @@
             <ac:spMk id="131" creationId="{8F3D0330-D2D7-4B28-E69C-0945D555A070}"/>
           </ac:spMkLst>
         </pc:spChg>
-        <pc:picChg chg="del">
-          <ac:chgData name="Tram Nguyen" userId="51ee2127b6ac45fe" providerId="LiveId" clId="{D4FBFE9B-6850-415E-A7C1-9F87F8C915C0}" dt="2025-05-04T12:43:21.808" v="589" actId="478"/>
-          <ac:picMkLst>
-            <pc:docMk/>
-            <pc:sldMk cId="3104173482" sldId="272"/>
-            <ac:picMk id="6" creationId="{7B10FE2E-4394-F56A-40BD-02D2059DC6BA}"/>
-          </ac:picMkLst>
-        </pc:picChg>
       </pc:sldChg>
       <pc:sldChg chg="addSp delSp modSp add mod">
         <pc:chgData name="Tram Nguyen" userId="51ee2127b6ac45fe" providerId="LiveId" clId="{D4FBFE9B-6850-415E-A7C1-9F87F8C915C0}" dt="2025-05-04T12:52:15.960" v="696" actId="1076"/>
@@ -1069,70 +765,6 @@
           <pc:docMk/>
           <pc:sldMk cId="2696496791" sldId="273"/>
         </pc:sldMkLst>
-        <pc:spChg chg="add">
-          <ac:chgData name="Tram Nguyen" userId="51ee2127b6ac45fe" providerId="LiveId" clId="{D4FBFE9B-6850-415E-A7C1-9F87F8C915C0}" dt="2025-05-04T12:48:49.438" v="660"/>
-          <ac:spMkLst>
-            <pc:docMk/>
-            <pc:sldMk cId="2696496791" sldId="273"/>
-            <ac:spMk id="2" creationId="{C5BE3B87-B769-B1A9-D38B-A014B99B832E}"/>
-          </ac:spMkLst>
-        </pc:spChg>
-        <pc:spChg chg="del mod">
-          <ac:chgData name="Tram Nguyen" userId="51ee2127b6ac45fe" providerId="LiveId" clId="{D4FBFE9B-6850-415E-A7C1-9F87F8C915C0}" dt="2025-05-04T12:51:35.531" v="689" actId="478"/>
-          <ac:spMkLst>
-            <pc:docMk/>
-            <pc:sldMk cId="2696496791" sldId="273"/>
-            <ac:spMk id="3" creationId="{555343AE-8926-FE57-97EA-96628074B518}"/>
-          </ac:spMkLst>
-        </pc:spChg>
-        <pc:spChg chg="add">
-          <ac:chgData name="Tram Nguyen" userId="51ee2127b6ac45fe" providerId="LiveId" clId="{D4FBFE9B-6850-415E-A7C1-9F87F8C915C0}" dt="2025-05-04T12:48:49.438" v="660"/>
-          <ac:spMkLst>
-            <pc:docMk/>
-            <pc:sldMk cId="2696496791" sldId="273"/>
-            <ac:spMk id="4" creationId="{E9A86E05-52FA-4751-8E10-86663426224B}"/>
-          </ac:spMkLst>
-        </pc:spChg>
-        <pc:spChg chg="add">
-          <ac:chgData name="Tram Nguyen" userId="51ee2127b6ac45fe" providerId="LiveId" clId="{D4FBFE9B-6850-415E-A7C1-9F87F8C915C0}" dt="2025-05-04T12:48:49.438" v="660"/>
-          <ac:spMkLst>
-            <pc:docMk/>
-            <pc:sldMk cId="2696496791" sldId="273"/>
-            <ac:spMk id="5" creationId="{EC906CF7-F7DA-40EB-08ED-5C2E8A4CE1F4}"/>
-          </ac:spMkLst>
-        </pc:spChg>
-        <pc:spChg chg="add">
-          <ac:chgData name="Tram Nguyen" userId="51ee2127b6ac45fe" providerId="LiveId" clId="{D4FBFE9B-6850-415E-A7C1-9F87F8C915C0}" dt="2025-05-04T12:48:49.438" v="660"/>
-          <ac:spMkLst>
-            <pc:docMk/>
-            <pc:sldMk cId="2696496791" sldId="273"/>
-            <ac:spMk id="6" creationId="{0C7690B3-1CC4-1C97-FC0C-1C2A2FDC0936}"/>
-          </ac:spMkLst>
-        </pc:spChg>
-        <pc:spChg chg="add">
-          <ac:chgData name="Tram Nguyen" userId="51ee2127b6ac45fe" providerId="LiveId" clId="{D4FBFE9B-6850-415E-A7C1-9F87F8C915C0}" dt="2025-05-04T12:48:49.438" v="660"/>
-          <ac:spMkLst>
-            <pc:docMk/>
-            <pc:sldMk cId="2696496791" sldId="273"/>
-            <ac:spMk id="7" creationId="{4446FDE3-3FB3-8BDD-20D7-B4FC2EBF0A38}"/>
-          </ac:spMkLst>
-        </pc:spChg>
-        <pc:spChg chg="add">
-          <ac:chgData name="Tram Nguyen" userId="51ee2127b6ac45fe" providerId="LiveId" clId="{D4FBFE9B-6850-415E-A7C1-9F87F8C915C0}" dt="2025-05-04T12:48:49.438" v="660"/>
-          <ac:spMkLst>
-            <pc:docMk/>
-            <pc:sldMk cId="2696496791" sldId="273"/>
-            <ac:spMk id="8" creationId="{A24D3CBD-9A50-FF5E-5E64-9D00BDF62942}"/>
-          </ac:spMkLst>
-        </pc:spChg>
-        <pc:spChg chg="add">
-          <ac:chgData name="Tram Nguyen" userId="51ee2127b6ac45fe" providerId="LiveId" clId="{D4FBFE9B-6850-415E-A7C1-9F87F8C915C0}" dt="2025-05-04T12:48:49.438" v="660"/>
-          <ac:spMkLst>
-            <pc:docMk/>
-            <pc:sldMk cId="2696496791" sldId="273"/>
-            <ac:spMk id="9" creationId="{0826B674-49B0-D10F-2B7C-4F3E5D6B8938}"/>
-          </ac:spMkLst>
-        </pc:spChg>
         <pc:spChg chg="add mod">
           <ac:chgData name="Tram Nguyen" userId="51ee2127b6ac45fe" providerId="LiveId" clId="{D4FBFE9B-6850-415E-A7C1-9F87F8C915C0}" dt="2025-05-04T12:51:42.059" v="691" actId="1076"/>
           <ac:spMkLst>
@@ -1165,14 +797,6 @@
             <ac:spMk id="17" creationId="{72243160-8922-E90E-6E2D-89296A277F58}"/>
           </ac:spMkLst>
         </pc:spChg>
-        <pc:spChg chg="add del mod">
-          <ac:chgData name="Tram Nguyen" userId="51ee2127b6ac45fe" providerId="LiveId" clId="{D4FBFE9B-6850-415E-A7C1-9F87F8C915C0}" dt="2025-05-04T12:51:39.151" v="690" actId="478"/>
-          <ac:spMkLst>
-            <pc:docMk/>
-            <pc:sldMk cId="2696496791" sldId="273"/>
-            <ac:spMk id="19" creationId="{DC2C6AEA-9E96-2B35-4834-A906A43F3DF1}"/>
-          </ac:spMkLst>
-        </pc:spChg>
         <pc:spChg chg="mod">
           <ac:chgData name="Tram Nguyen" userId="51ee2127b6ac45fe" providerId="LiveId" clId="{D4FBFE9B-6850-415E-A7C1-9F87F8C915C0}" dt="2025-05-04T12:47:20.546" v="626" actId="20577"/>
           <ac:spMkLst>
@@ -1188,36 +812,12 @@
           <pc:docMk/>
           <pc:sldMk cId="138644055" sldId="274"/>
         </pc:sldMkLst>
-        <pc:spChg chg="del">
-          <ac:chgData name="Tram Nguyen" userId="51ee2127b6ac45fe" providerId="LiveId" clId="{D4FBFE9B-6850-415E-A7C1-9F87F8C915C0}" dt="2025-05-04T13:07:15.173" v="828" actId="478"/>
-          <ac:spMkLst>
-            <pc:docMk/>
-            <pc:sldMk cId="138644055" sldId="274"/>
-            <ac:spMk id="3" creationId="{DF53F846-584A-97B1-895E-6E4D8E5F6EEF}"/>
-          </ac:spMkLst>
-        </pc:spChg>
-        <pc:spChg chg="add del mod">
-          <ac:chgData name="Tram Nguyen" userId="51ee2127b6ac45fe" providerId="LiveId" clId="{D4FBFE9B-6850-415E-A7C1-9F87F8C915C0}" dt="2025-05-04T13:07:16.940" v="829" actId="478"/>
-          <ac:spMkLst>
-            <pc:docMk/>
-            <pc:sldMk cId="138644055" sldId="274"/>
-            <ac:spMk id="4" creationId="{3FDA8F99-8B3F-5087-7A76-793B1E11F2A6}"/>
-          </ac:spMkLst>
-        </pc:spChg>
         <pc:spChg chg="add mod">
           <ac:chgData name="Tram Nguyen" userId="51ee2127b6ac45fe" providerId="LiveId" clId="{D4FBFE9B-6850-415E-A7C1-9F87F8C915C0}" dt="2025-05-04T13:08:48.427" v="844" actId="1076"/>
           <ac:spMkLst>
             <pc:docMk/>
             <pc:sldMk cId="138644055" sldId="274"/>
             <ac:spMk id="5" creationId="{4117B581-2BCB-6764-4179-93AC737A0912}"/>
-          </ac:spMkLst>
-        </pc:spChg>
-        <pc:spChg chg="add del mod">
-          <ac:chgData name="Tram Nguyen" userId="51ee2127b6ac45fe" providerId="LiveId" clId="{D4FBFE9B-6850-415E-A7C1-9F87F8C915C0}" dt="2025-05-04T13:08:01.491" v="835" actId="478"/>
-          <ac:spMkLst>
-            <pc:docMk/>
-            <pc:sldMk cId="138644055" sldId="274"/>
-            <ac:spMk id="6" creationId="{E495E8D9-A505-3765-D92F-C32870B91B58}"/>
           </ac:spMkLst>
         </pc:spChg>
         <pc:spChg chg="add mod">
@@ -1267,14 +867,6 @@
           <pc:docMk/>
           <pc:sldMk cId="2727782393" sldId="275"/>
         </pc:sldMkLst>
-        <pc:spChg chg="del mod">
-          <ac:chgData name="Tram Nguyen" userId="51ee2127b6ac45fe" providerId="LiveId" clId="{D4FBFE9B-6850-415E-A7C1-9F87F8C915C0}" dt="2025-05-04T13:19:26.811" v="946" actId="478"/>
-          <ac:spMkLst>
-            <pc:docMk/>
-            <pc:sldMk cId="2727782393" sldId="275"/>
-            <ac:spMk id="3" creationId="{0854645B-D0D1-E45F-613E-5A32A33F97C2}"/>
-          </ac:spMkLst>
-        </pc:spChg>
         <pc:spChg chg="add mod">
           <ac:chgData name="Tram Nguyen" userId="51ee2127b6ac45fe" providerId="LiveId" clId="{D4FBFE9B-6850-415E-A7C1-9F87F8C915C0}" dt="2025-05-04T13:32:07.649" v="992" actId="255"/>
           <ac:spMkLst>
@@ -1328,22 +920,6 @@
           <pc:docMk/>
           <pc:sldMk cId="2728522789" sldId="276"/>
         </pc:sldMkLst>
-        <pc:spChg chg="del">
-          <ac:chgData name="Tram Nguyen" userId="51ee2127b6ac45fe" providerId="LiveId" clId="{D4FBFE9B-6850-415E-A7C1-9F87F8C915C0}" dt="2025-05-04T13:33:15.834" v="996" actId="478"/>
-          <ac:spMkLst>
-            <pc:docMk/>
-            <pc:sldMk cId="2728522789" sldId="276"/>
-            <ac:spMk id="5" creationId="{57CED3E7-2315-E2FC-23A3-2F37A83A16F9}"/>
-          </ac:spMkLst>
-        </pc:spChg>
-        <pc:spChg chg="del">
-          <ac:chgData name="Tram Nguyen" userId="51ee2127b6ac45fe" providerId="LiveId" clId="{D4FBFE9B-6850-415E-A7C1-9F87F8C915C0}" dt="2025-05-04T13:33:17.861" v="997" actId="478"/>
-          <ac:spMkLst>
-            <pc:docMk/>
-            <pc:sldMk cId="2728522789" sldId="276"/>
-            <ac:spMk id="7" creationId="{1B5665B4-FC07-9197-AAD0-FA945CB4FA66}"/>
-          </ac:spMkLst>
-        </pc:spChg>
         <pc:graphicFrameChg chg="add mod modGraphic">
           <ac:chgData name="Tram Nguyen" userId="51ee2127b6ac45fe" providerId="LiveId" clId="{D4FBFE9B-6850-415E-A7C1-9F87F8C915C0}" dt="2025-05-04T13:43:09.048" v="1044" actId="122"/>
           <ac:graphicFrameMkLst>
@@ -1359,22 +935,6 @@
           <pc:docMk/>
           <pc:sldMk cId="1630375763" sldId="277"/>
         </pc:sldMkLst>
-        <pc:spChg chg="del">
-          <ac:chgData name="Tram Nguyen" userId="51ee2127b6ac45fe" providerId="LiveId" clId="{D4FBFE9B-6850-415E-A7C1-9F87F8C915C0}" dt="2025-05-04T13:39:05.247" v="1000" actId="478"/>
-          <ac:spMkLst>
-            <pc:docMk/>
-            <pc:sldMk cId="1630375763" sldId="277"/>
-            <ac:spMk id="3" creationId="{F14E3012-62FB-CC44-BF75-67681D87A048}"/>
-          </ac:spMkLst>
-        </pc:spChg>
-        <pc:spChg chg="add del mod">
-          <ac:chgData name="Tram Nguyen" userId="51ee2127b6ac45fe" providerId="LiveId" clId="{D4FBFE9B-6850-415E-A7C1-9F87F8C915C0}" dt="2025-05-04T13:39:06.426" v="1001" actId="478"/>
-          <ac:spMkLst>
-            <pc:docMk/>
-            <pc:sldMk cId="1630375763" sldId="277"/>
-            <ac:spMk id="4" creationId="{9373FA63-14FB-2020-CE00-3FDDFA81A33A}"/>
-          </ac:spMkLst>
-        </pc:spChg>
         <pc:spChg chg="add mod">
           <ac:chgData name="Tram Nguyen" userId="51ee2127b6ac45fe" providerId="LiveId" clId="{D4FBFE9B-6850-415E-A7C1-9F87F8C915C0}" dt="2025-05-04T13:41:54.943" v="1015" actId="1076"/>
           <ac:spMkLst>
@@ -1414,6 +974,30 @@
           <pc:docMk/>
           <pc:sldMk cId="2539989925" sldId="278"/>
         </pc:sldMkLst>
+      </pc:sldChg>
+    </pc:docChg>
+  </pc:docChgLst>
+  <pc:docChgLst>
+    <pc:chgData name="Tram Nguyen" userId="51ee2127b6ac45fe" providerId="LiveId" clId="{8C97A672-958F-48F3-93AC-7850E738F628}"/>
+    <pc:docChg chg="modSld">
+      <pc:chgData name="Tram Nguyen" userId="51ee2127b6ac45fe" providerId="LiveId" clId="{8C97A672-958F-48F3-93AC-7850E738F628}" dt="2025-05-19T17:20:35.742" v="19" actId="13926"/>
+      <pc:docMkLst>
+        <pc:docMk/>
+      </pc:docMkLst>
+      <pc:sldChg chg="addSp modSp mod">
+        <pc:chgData name="Tram Nguyen" userId="51ee2127b6ac45fe" providerId="LiveId" clId="{8C97A672-958F-48F3-93AC-7850E738F628}" dt="2025-05-19T17:20:35.742" v="19" actId="13926"/>
+        <pc:sldMkLst>
+          <pc:docMk/>
+          <pc:sldMk cId="0" sldId="262"/>
+        </pc:sldMkLst>
+        <pc:spChg chg="add mod">
+          <ac:chgData name="Tram Nguyen" userId="51ee2127b6ac45fe" providerId="LiveId" clId="{8C97A672-958F-48F3-93AC-7850E738F628}" dt="2025-05-19T17:20:35.742" v="19" actId="13926"/>
+          <ac:spMkLst>
+            <pc:docMk/>
+            <pc:sldMk cId="0" sldId="262"/>
+            <ac:spMk id="2" creationId="{763B28E2-2434-DDE7-A3D0-02D3B71F2719}"/>
+          </ac:spMkLst>
+        </pc:spChg>
       </pc:sldChg>
     </pc:docChg>
   </pc:docChgLst>
@@ -12740,7 +12324,7 @@
           <a:bodyPr lIns="45719" rIns="45719" anchor="ctr"/>
           <a:lstStyle/>
           <a:p>
-            <a:endParaRPr/>
+            <a:endParaRPr dirty="0"/>
           </a:p>
         </p:txBody>
       </p:sp>
@@ -12837,6 +12421,109 @@
               <a:rPr b="0"/>
               <a:t>The data and information in this document is reflective of a hypothetical situation and client. This document is to be used for KPMG Virtual Internship purposes only. </a:t>
             </a:r>
+          </a:p>
+        </p:txBody>
+      </p:sp>
+      <p:sp>
+        <p:nvSpPr>
+          <p:cNvPr id="2" name="Textfeld 1">
+            <a:extLst>
+              <a:ext uri="{FF2B5EF4-FFF2-40B4-BE49-F238E27FC236}">
+                <a16:creationId xmlns:a16="http://schemas.microsoft.com/office/drawing/2014/main" id="{763B28E2-2434-DDE7-A3D0-02D3B71F2719}"/>
+              </a:ext>
+            </a:extLst>
+          </p:cNvPr>
+          <p:cNvSpPr txBox="1"/>
+          <p:nvPr/>
+        </p:nvSpPr>
+        <p:spPr>
+          <a:xfrm>
+            <a:off x="3151801" y="2681276"/>
+            <a:ext cx="1339200" cy="707884"/>
+          </a:xfrm>
+          <a:prstGeom prst="rect">
+            <a:avLst/>
+          </a:prstGeom>
+          <a:noFill/>
+          <a:ln w="12700" cap="flat">
+            <a:noFill/>
+            <a:miter lim="400000"/>
+          </a:ln>
+          <a:effectLst/>
+          <a:sp3d/>
+        </p:spPr>
+        <p:style>
+          <a:lnRef idx="0">
+            <a:scrgbClr r="0" g="0" b="0"/>
+          </a:lnRef>
+          <a:fillRef idx="0">
+            <a:scrgbClr r="0" g="0" b="0"/>
+          </a:fillRef>
+          <a:effectRef idx="0">
+            <a:scrgbClr r="0" g="0" b="0"/>
+          </a:effectRef>
+          <a:fontRef idx="none"/>
+        </p:style>
+        <p:txBody>
+          <a:bodyPr rot="0" spcFirstLastPara="1" vertOverflow="overflow" horzOverflow="overflow" vert="horz" wrap="square" lIns="45719" tIns="45719" rIns="45719" bIns="45719" numCol="1" spcCol="38100" rtlCol="0" anchor="t">
+            <a:spAutoFit/>
+          </a:bodyPr>
+          <a:lstStyle/>
+          <a:p>
+            <a:pPr marL="0" marR="0" indent="0" algn="l" defTabSz="914400" rtl="0" fontAlgn="auto" latinLnBrk="0" hangingPunct="0">
+              <a:lnSpc>
+                <a:spcPct val="100000"/>
+              </a:lnSpc>
+              <a:spcBef>
+                <a:spcPts val="0"/>
+              </a:spcBef>
+              <a:spcAft>
+                <a:spcPts val="0"/>
+              </a:spcAft>
+              <a:buClrTx/>
+              <a:buSzTx/>
+              <a:buFontTx/>
+              <a:buNone/>
+              <a:tabLst/>
+            </a:pPr>
+            <a:r>
+              <a:rPr kumimoji="0" lang="en-US" sz="2000" b="0" i="0" u="none" strike="noStrike" cap="none" spc="0" normalizeH="0" baseline="0" dirty="0">
+                <a:ln>
+                  <a:noFill/>
+                </a:ln>
+                <a:solidFill>
+                  <a:srgbClr val="000000"/>
+                </a:solidFill>
+                <a:effectLst/>
+                <a:highlight>
+                  <a:srgbClr val="FFFF00"/>
+                </a:highlight>
+                <a:uFillTx/>
+                <a:latin typeface="+mn-lt"/>
+                <a:ea typeface="+mn-ea"/>
+                <a:cs typeface="+mn-cs"/>
+                <a:sym typeface="Arial"/>
+                <a:hlinkClick r:id="rId2"/>
+              </a:rPr>
+              <a:t>Links to report</a:t>
+            </a:r>
+            <a:endParaRPr kumimoji="0" lang="en-US" sz="2000" b="0" i="0" u="none" strike="noStrike" cap="none" spc="0" normalizeH="0" baseline="0" dirty="0">
+              <a:ln>
+                <a:noFill/>
+              </a:ln>
+              <a:solidFill>
+                <a:srgbClr val="000000"/>
+              </a:solidFill>
+              <a:effectLst/>
+              <a:highlight>
+                <a:srgbClr val="FFFF00"/>
+              </a:highlight>
+              <a:uFillTx/>
+              <a:latin typeface="+mn-lt"/>
+              <a:ea typeface="+mn-ea"/>
+              <a:cs typeface="+mn-cs"/>
+              <a:sym typeface="Arial"/>
+            </a:endParaRPr>
           </a:p>
         </p:txBody>
       </p:sp>
